--- a/hw2報告.pptx
+++ b/hw2報告.pptx
@@ -3644,7 +3644,7 @@
         <p:spPr>
           <a:xfrm>
             <a:off x="508000" y="2311043"/>
-            <a:ext cx="6007100" cy="3139321"/>
+            <a:ext cx="6007100" cy="3693319"/>
           </a:xfrm>
           <a:prstGeom prst="rect">
             <a:avLst/>
@@ -3706,9 +3706,21 @@
           </a:p>
           <a:p>
             <a:r>
-              <a:rPr lang="en-US" altLang="zh-TW" dirty="0"/>
+              <a:rPr lang="en-US" altLang="zh-TW" dirty="0">
+                <a:hlinkClick r:id="rId6"/>
+              </a:rPr>
               <a:t>https://www.bigocheatsheet.com/</a:t>
             </a:r>
+            <a:endParaRPr lang="en-US" altLang="zh-TW" dirty="0"/>
+          </a:p>
+          <a:p>
+            <a:r>
+              <a:rPr lang="en-US" altLang="zh-TW" sz="1800" dirty="0"/>
+              <a:t>https://www.geeksforgeeks.org/data-structures/linked-list/</a:t>
+            </a:r>
+            <a:endParaRPr lang="zh-TW" altLang="en-US" sz="1800" dirty="0"/>
+          </a:p>
+          <a:p>
             <a:endParaRPr lang="zh-TW" altLang="en-US" dirty="0"/>
           </a:p>
         </p:txBody>
@@ -3872,8 +3884,8 @@
         </p:nvSpPr>
         <p:spPr>
           <a:xfrm>
-            <a:off x="292100" y="2255451"/>
-            <a:ext cx="6756400" cy="1384995"/>
+            <a:off x="774700" y="2318951"/>
+            <a:ext cx="6756400" cy="523220"/>
           </a:xfrm>
           <a:prstGeom prst="rect">
             <a:avLst/>
@@ -3887,19 +3899,9 @@
           <a:lstStyle/>
           <a:p>
             <a:r>
-              <a:rPr lang="zh-TW" altLang="en-US" sz="2800" dirty="0">
-                <a:hlinkClick r:id="rId2"/>
-              </a:rPr>
-              <a:t>https://github.com/jacksonloa/409410065</a:t>
-            </a:r>
-            <a:endParaRPr lang="en-US" altLang="zh-TW" sz="2800" dirty="0"/>
-          </a:p>
-          <a:p>
-            <a:r>
               <a:rPr lang="en-US" altLang="zh-TW" sz="2800" dirty="0"/>
-              <a:t>https://www.geeksforgeeks.org/data-structures/linked-list/</a:t>
-            </a:r>
-            <a:endParaRPr lang="zh-TW" altLang="en-US" sz="2800" dirty="0"/>
+              <a:t>https://github.com/jacksonloa/hw2</a:t>
+            </a:r>
           </a:p>
         </p:txBody>
       </p:sp>

--- a/hw2報告.pptx
+++ b/hw2報告.pptx
@@ -3658,21 +3658,15 @@
           <a:lstStyle/>
           <a:p>
             <a:r>
-              <a:rPr lang="en-US" altLang="zh-TW" dirty="0">
-                <a:hlinkClick r:id="rId2"/>
-              </a:rPr>
+              <a:rPr lang="en-US" altLang="zh-TW" dirty="0"/>
               <a:t>https://zh.wikipedia.org/wiki/%E4%BA%8C%E5%85%83%E6%90%9C%E5%B0%8B%E6%A8%B9</a:t>
             </a:r>
-            <a:endParaRPr lang="en-US" altLang="zh-TW" dirty="0"/>
-          </a:p>
-          <a:p>
-            <a:r>
-              <a:rPr lang="en-US" altLang="zh-TW" dirty="0">
-                <a:hlinkClick r:id="rId3"/>
-              </a:rPr>
+          </a:p>
+          <a:p>
+            <a:r>
+              <a:rPr lang="en-US" altLang="zh-TW" dirty="0"/>
               <a:t>https://zh.wikipedia.org/zh-tw/%E4%BA%8C%E5%88%86%E6%90%9C%E5%B0%8B%E6%BC%94%E7%AE%97%E6%B3%95</a:t>
             </a:r>
-            <a:endParaRPr lang="en-US" altLang="zh-TW" dirty="0"/>
           </a:p>
           <a:p>
             <a:r>
@@ -3682,12 +3676,9 @@
           </a:p>
           <a:p>
             <a:r>
-              <a:rPr lang="en-US" altLang="zh-TW" dirty="0">
-                <a:hlinkClick r:id="rId4"/>
-              </a:rPr>
+              <a:rPr lang="en-US" altLang="zh-TW" dirty="0"/>
               <a:t>https://zh.wikipedia.org/wiki/%E9%93%BE%E8%A1%A8</a:t>
             </a:r>
-            <a:endParaRPr lang="en-US" altLang="zh-TW" dirty="0"/>
           </a:p>
           <a:p>
             <a:r>
@@ -3697,21 +3688,15 @@
           </a:p>
           <a:p>
             <a:r>
-              <a:rPr lang="en-US" altLang="zh-TW" dirty="0">
-                <a:hlinkClick r:id="rId5"/>
-              </a:rPr>
+              <a:rPr lang="en-US" altLang="zh-TW" dirty="0"/>
               <a:t>https://zh.wikipedia.org/wiki/%E6%95%B0%E7%BB%84</a:t>
             </a:r>
-            <a:endParaRPr lang="en-US" altLang="zh-TW" dirty="0"/>
-          </a:p>
-          <a:p>
-            <a:r>
-              <a:rPr lang="en-US" altLang="zh-TW" dirty="0">
-                <a:hlinkClick r:id="rId6"/>
-              </a:rPr>
+          </a:p>
+          <a:p>
+            <a:r>
+              <a:rPr lang="en-US" altLang="zh-TW" dirty="0"/>
               <a:t>https://www.bigocheatsheet.com/</a:t>
             </a:r>
-            <a:endParaRPr lang="en-US" altLang="zh-TW" dirty="0"/>
           </a:p>
           <a:p>
             <a:r>
